--- a/vitis_slides/21_Improving_Resources.PPTX
+++ b/vitis_slides/21_Improving_Resources.PPTX
@@ -6,10 +6,10 @@
     <p:sldMasterId id="2147483991" r:id="rId5"/>
   </p:sldMasterIdLst>
   <p:notesMasterIdLst>
-    <p:notesMasterId r:id="rId45"/>
+    <p:notesMasterId r:id="rId46"/>
   </p:notesMasterIdLst>
   <p:handoutMasterIdLst>
-    <p:handoutMasterId r:id="rId46"/>
+    <p:handoutMasterId r:id="rId47"/>
   </p:handoutMasterIdLst>
   <p:sldIdLst>
     <p:sldId id="1001" r:id="rId6"/>
@@ -51,6 +51,7 @@
     <p:sldId id="984" r:id="rId42"/>
     <p:sldId id="980" r:id="rId43"/>
     <p:sldId id="440" r:id="rId44"/>
+    <p:sldId id="3731" r:id="rId45"/>
   </p:sldIdLst>
   <p:sldSz cx="12192000" cy="6858000"/>
   <p:notesSz cx="6858000" cy="9144000"/>
@@ -258,7 +259,7 @@
           <a:p>
             <a:fld id="{279EEC3C-A001-4107-B54E-3DA93EFF18E7}" type="datetimeFigureOut">
               <a:rPr lang="en-US" smtClean="0"/>
-              <a:t>3/14/2022</a:t>
+              <a:t>4/14/2022</a:t>
             </a:fld>
             <a:endParaRPr lang="en-US"/>
           </a:p>
@@ -436,7 +437,7 @@
             <a:fld id="{396E16B4-3FB2-4CDC-BEBF-CD70C72EF480}" type="datetimeFigureOut">
               <a:rPr lang="en-US" smtClean="0"/>
               <a:pPr/>
-              <a:t>3/14/2022</a:t>
+              <a:t>4/14/2022</a:t>
             </a:fld>
             <a:endParaRPr lang="en-US"/>
           </a:p>
@@ -1598,6 +1599,9 @@
             <a:off x="647700" y="6356352"/>
             <a:ext cx="3451543" cy="365125"/>
           </a:xfrm>
+          <a:prstGeom prst="rect">
+            <a:avLst/>
+          </a:prstGeom>
         </p:spPr>
         <p:txBody>
           <a:bodyPr/>
@@ -1690,6 +1694,9 @@
             <a:off x="647700" y="6356352"/>
             <a:ext cx="3468172" cy="365125"/>
           </a:xfrm>
+          <a:prstGeom prst="rect">
+            <a:avLst/>
+          </a:prstGeom>
         </p:spPr>
         <p:txBody>
           <a:bodyPr/>
@@ -6518,44 +6525,6 @@
       </p:sp>
       <p:sp>
         <p:nvSpPr>
-          <p:cNvPr id="3" name="Slide Number Placeholder 2">
-            <a:extLst>
-              <a:ext uri="{FF2B5EF4-FFF2-40B4-BE49-F238E27FC236}">
-                <a16:creationId xmlns:a16="http://schemas.microsoft.com/office/drawing/2014/main" id="{470F2BAF-0E03-9146-9CEF-EF57A7048199}"/>
-              </a:ext>
-            </a:extLst>
-          </p:cNvPr>
-          <p:cNvSpPr>
-            <a:spLocks noGrp="1"/>
-          </p:cNvSpPr>
-          <p:nvPr>
-            <p:ph type="sldNum" sz="quarter" idx="10"/>
-          </p:nvPr>
-        </p:nvSpPr>
-        <p:spPr/>
-        <p:txBody>
-          <a:bodyPr/>
-          <a:lstStyle>
-            <a:lvl1pPr>
-              <a:defRPr>
-                <a:solidFill>
-                  <a:schemeClr val="tx1"/>
-                </a:solidFill>
-              </a:defRPr>
-            </a:lvl1pPr>
-          </a:lstStyle>
-          <a:p>
-            <a:fld id="{626C978B-826E-438C-909A-E9C381D3FF04}" type="slidenum">
-              <a:rPr lang="en-US" smtClean="0"/>
-              <a:pPr/>
-              <a:t>‹#›</a:t>
-            </a:fld>
-            <a:endParaRPr lang="en-US"/>
-          </a:p>
-        </p:txBody>
-      </p:sp>
-      <p:sp>
-        <p:nvSpPr>
           <p:cNvPr id="6" name="Rectangle 5"/>
           <p:cNvSpPr/>
           <p:nvPr userDrawn="1"/>
@@ -6662,6 +6631,57 @@
               <a:rPr lang="en-US"/>
               <a:t>Agenda Item 6</a:t>
             </a:r>
+          </a:p>
+        </p:txBody>
+      </p:sp>
+      <p:sp>
+        <p:nvSpPr>
+          <p:cNvPr id="7" name="Slide Number Placeholder 7">
+            <a:extLst>
+              <a:ext uri="{FF2B5EF4-FFF2-40B4-BE49-F238E27FC236}">
+                <a16:creationId xmlns:a16="http://schemas.microsoft.com/office/drawing/2014/main" id="{52824F37-0B27-44ED-8D1A-4FB7B5B1D327}"/>
+              </a:ext>
+            </a:extLst>
+          </p:cNvPr>
+          <p:cNvSpPr>
+            <a:spLocks noGrp="1"/>
+          </p:cNvSpPr>
+          <p:nvPr>
+            <p:ph type="sldNum" sz="quarter" idx="4"/>
+          </p:nvPr>
+        </p:nvSpPr>
+        <p:spPr>
+          <a:xfrm>
+            <a:off x="579120" y="6325606"/>
+            <a:ext cx="2206217" cy="365125"/>
+          </a:xfrm>
+          <a:prstGeom prst="rect">
+            <a:avLst/>
+          </a:prstGeom>
+        </p:spPr>
+        <p:txBody>
+          <a:bodyPr/>
+          <a:lstStyle>
+            <a:lvl1pPr>
+              <a:defRPr sz="1200"/>
+            </a:lvl1pPr>
+          </a:lstStyle>
+          <a:p>
+            <a:pPr>
+              <a:defRPr/>
+            </a:pPr>
+            <a:r>
+              <a:rPr lang="en-US" dirty="0"/>
+              <a:t>Intro to HLS 11- </a:t>
+            </a:r>
+            <a:fld id="{060BD193-E118-4B16-863C-C8C12C675E3E}" type="slidenum">
+              <a:rPr lang="en-US" smtClean="0"/>
+              <a:pPr>
+                <a:defRPr/>
+              </a:pPr>
+              <a:t>‹#›</a:t>
+            </a:fld>
+            <a:endParaRPr lang="en-US" dirty="0"/>
           </a:p>
         </p:txBody>
       </p:sp>
@@ -10186,36 +10206,6 @@
       </p:sp>
       <p:sp>
         <p:nvSpPr>
-          <p:cNvPr id="3" name="Slide Number Placeholder 2">
-            <a:extLst>
-              <a:ext uri="{FF2B5EF4-FFF2-40B4-BE49-F238E27FC236}">
-                <a16:creationId xmlns:a16="http://schemas.microsoft.com/office/drawing/2014/main" id="{470F2BAF-0E03-9146-9CEF-EF57A7048199}"/>
-              </a:ext>
-            </a:extLst>
-          </p:cNvPr>
-          <p:cNvSpPr>
-            <a:spLocks noGrp="1"/>
-          </p:cNvSpPr>
-          <p:nvPr>
-            <p:ph type="sldNum" sz="quarter" idx="10"/>
-          </p:nvPr>
-        </p:nvSpPr>
-        <p:spPr/>
-        <p:txBody>
-          <a:bodyPr/>
-          <a:lstStyle/>
-          <a:p>
-            <a:fld id="{626C978B-826E-438C-909A-E9C381D3FF04}" type="slidenum">
-              <a:rPr lang="en-US" smtClean="0"/>
-              <a:pPr/>
-              <a:t>‹#›</a:t>
-            </a:fld>
-            <a:endParaRPr lang="en-US"/>
-          </a:p>
-        </p:txBody>
-      </p:sp>
-      <p:sp>
-        <p:nvSpPr>
           <p:cNvPr id="6" name="Rectangle 5"/>
           <p:cNvSpPr/>
           <p:nvPr userDrawn="1"/>
@@ -10257,6 +10247,57 @@
           <a:p>
             <a:pPr algn="ctr"/>
             <a:endParaRPr lang="en-US" sz="2400"/>
+          </a:p>
+        </p:txBody>
+      </p:sp>
+      <p:sp>
+        <p:nvSpPr>
+          <p:cNvPr id="5" name="Slide Number Placeholder 7">
+            <a:extLst>
+              <a:ext uri="{FF2B5EF4-FFF2-40B4-BE49-F238E27FC236}">
+                <a16:creationId xmlns:a16="http://schemas.microsoft.com/office/drawing/2014/main" id="{A684470C-3627-487C-B892-4448C8575C6A}"/>
+              </a:ext>
+            </a:extLst>
+          </p:cNvPr>
+          <p:cNvSpPr>
+            <a:spLocks noGrp="1"/>
+          </p:cNvSpPr>
+          <p:nvPr>
+            <p:ph type="sldNum" sz="quarter" idx="4"/>
+          </p:nvPr>
+        </p:nvSpPr>
+        <p:spPr>
+          <a:xfrm>
+            <a:off x="579120" y="6325606"/>
+            <a:ext cx="2206217" cy="365125"/>
+          </a:xfrm>
+          <a:prstGeom prst="rect">
+            <a:avLst/>
+          </a:prstGeom>
+        </p:spPr>
+        <p:txBody>
+          <a:bodyPr/>
+          <a:lstStyle>
+            <a:lvl1pPr>
+              <a:defRPr sz="1200"/>
+            </a:lvl1pPr>
+          </a:lstStyle>
+          <a:p>
+            <a:pPr>
+              <a:defRPr/>
+            </a:pPr>
+            <a:r>
+              <a:rPr lang="en-US" dirty="0"/>
+              <a:t>Intro to HLS 11- </a:t>
+            </a:r>
+            <a:fld id="{060BD193-E118-4B16-863C-C8C12C675E3E}" type="slidenum">
+              <a:rPr lang="en-US" smtClean="0"/>
+              <a:pPr>
+                <a:defRPr/>
+              </a:pPr>
+              <a:t>‹#›</a:t>
+            </a:fld>
+            <a:endParaRPr lang="en-US" dirty="0"/>
           </a:p>
         </p:txBody>
       </p:sp>
@@ -10662,36 +10703,6 @@
       </p:sp>
       <p:sp>
         <p:nvSpPr>
-          <p:cNvPr id="3" name="Slide Number Placeholder 2">
-            <a:extLst>
-              <a:ext uri="{FF2B5EF4-FFF2-40B4-BE49-F238E27FC236}">
-                <a16:creationId xmlns:a16="http://schemas.microsoft.com/office/drawing/2014/main" id="{470F2BAF-0E03-9146-9CEF-EF57A7048199}"/>
-              </a:ext>
-            </a:extLst>
-          </p:cNvPr>
-          <p:cNvSpPr>
-            <a:spLocks noGrp="1"/>
-          </p:cNvSpPr>
-          <p:nvPr>
-            <p:ph type="sldNum" sz="quarter" idx="10"/>
-          </p:nvPr>
-        </p:nvSpPr>
-        <p:spPr/>
-        <p:txBody>
-          <a:bodyPr/>
-          <a:lstStyle/>
-          <a:p>
-            <a:fld id="{626C978B-826E-438C-909A-E9C381D3FF04}" type="slidenum">
-              <a:rPr lang="en-US" smtClean="0"/>
-              <a:pPr/>
-              <a:t>‹#›</a:t>
-            </a:fld>
-            <a:endParaRPr lang="en-US"/>
-          </a:p>
-        </p:txBody>
-      </p:sp>
-      <p:sp>
-        <p:nvSpPr>
           <p:cNvPr id="4" name="Text Placeholder 2">
             <a:extLst>
               <a:ext uri="{FF2B5EF4-FFF2-40B4-BE49-F238E27FC236}">
@@ -10831,6 +10842,57 @@
           <a:p>
             <a:pPr algn="ctr"/>
             <a:endParaRPr lang="en-US" sz="2400"/>
+          </a:p>
+        </p:txBody>
+      </p:sp>
+      <p:sp>
+        <p:nvSpPr>
+          <p:cNvPr id="7" name="Slide Number Placeholder 7">
+            <a:extLst>
+              <a:ext uri="{FF2B5EF4-FFF2-40B4-BE49-F238E27FC236}">
+                <a16:creationId xmlns:a16="http://schemas.microsoft.com/office/drawing/2014/main" id="{9F0AF057-DF71-4DE3-B627-871EBC8683FC}"/>
+              </a:ext>
+            </a:extLst>
+          </p:cNvPr>
+          <p:cNvSpPr>
+            <a:spLocks noGrp="1"/>
+          </p:cNvSpPr>
+          <p:nvPr>
+            <p:ph type="sldNum" sz="quarter" idx="4"/>
+          </p:nvPr>
+        </p:nvSpPr>
+        <p:spPr>
+          <a:xfrm>
+            <a:off x="579120" y="6325606"/>
+            <a:ext cx="2206217" cy="365125"/>
+          </a:xfrm>
+          <a:prstGeom prst="rect">
+            <a:avLst/>
+          </a:prstGeom>
+        </p:spPr>
+        <p:txBody>
+          <a:bodyPr/>
+          <a:lstStyle>
+            <a:lvl1pPr>
+              <a:defRPr sz="1200"/>
+            </a:lvl1pPr>
+          </a:lstStyle>
+          <a:p>
+            <a:pPr>
+              <a:defRPr/>
+            </a:pPr>
+            <a:r>
+              <a:rPr lang="en-US" dirty="0"/>
+              <a:t>Intro to HLS 11- </a:t>
+            </a:r>
+            <a:fld id="{060BD193-E118-4B16-863C-C8C12C675E3E}" type="slidenum">
+              <a:rPr lang="en-US" smtClean="0"/>
+              <a:pPr>
+                <a:defRPr/>
+              </a:pPr>
+              <a:t>‹#›</a:t>
+            </a:fld>
+            <a:endParaRPr lang="en-US" dirty="0"/>
           </a:p>
         </p:txBody>
       </p:sp>
@@ -11099,54 +11161,6 @@
       </p:sp>
       <p:sp>
         <p:nvSpPr>
-          <p:cNvPr id="7" name="Slide Number Placeholder 4">
-            <a:extLst>
-              <a:ext uri="{FF2B5EF4-FFF2-40B4-BE49-F238E27FC236}">
-                <a16:creationId xmlns:a16="http://schemas.microsoft.com/office/drawing/2014/main" id="{1A8B06E9-672B-49AA-8789-D576D5680872}"/>
-              </a:ext>
-            </a:extLst>
-          </p:cNvPr>
-          <p:cNvSpPr>
-            <a:spLocks noGrp="1"/>
-          </p:cNvSpPr>
-          <p:nvPr>
-            <p:ph type="sldNum" sz="quarter" idx="4"/>
-          </p:nvPr>
-        </p:nvSpPr>
-        <p:spPr>
-          <a:xfrm>
-            <a:off x="586646" y="6363709"/>
-            <a:ext cx="975360" cy="365125"/>
-          </a:xfrm>
-          <a:prstGeom prst="rect">
-            <a:avLst/>
-          </a:prstGeom>
-        </p:spPr>
-        <p:txBody>
-          <a:bodyPr vert="horz" lIns="91440" tIns="45720" rIns="91440" bIns="45720" rtlCol="0" anchor="b"/>
-          <a:lstStyle>
-            <a:lvl1pPr marL="0" indent="0" algn="l">
-              <a:buFont typeface="Arial" panose="020B0604020202020204" pitchFamily="34" charset="0"/>
-              <a:buNone/>
-              <a:defRPr sz="1133" b="1">
-                <a:solidFill>
-                  <a:schemeClr val="tx1"/>
-                </a:solidFill>
-              </a:defRPr>
-            </a:lvl1pPr>
-          </a:lstStyle>
-          <a:p>
-            <a:fld id="{626C978B-826E-438C-909A-E9C381D3FF04}" type="slidenum">
-              <a:rPr lang="en-US" smtClean="0"/>
-              <a:pPr/>
-              <a:t>‹#›</a:t>
-            </a:fld>
-            <a:endParaRPr lang="en-US"/>
-          </a:p>
-        </p:txBody>
-      </p:sp>
-      <p:sp>
-        <p:nvSpPr>
           <p:cNvPr id="9" name="Rectangle 8"/>
           <p:cNvSpPr/>
           <p:nvPr userDrawn="1"/>
@@ -11188,6 +11202,57 @@
           <a:p>
             <a:pPr algn="ctr"/>
             <a:endParaRPr lang="en-US" sz="2400"/>
+          </a:p>
+        </p:txBody>
+      </p:sp>
+      <p:sp>
+        <p:nvSpPr>
+          <p:cNvPr id="8" name="Slide Number Placeholder 7">
+            <a:extLst>
+              <a:ext uri="{FF2B5EF4-FFF2-40B4-BE49-F238E27FC236}">
+                <a16:creationId xmlns:a16="http://schemas.microsoft.com/office/drawing/2014/main" id="{23004CAA-E1F8-4A14-A974-3D6BCE9760E9}"/>
+              </a:ext>
+            </a:extLst>
+          </p:cNvPr>
+          <p:cNvSpPr>
+            <a:spLocks noGrp="1"/>
+          </p:cNvSpPr>
+          <p:nvPr>
+            <p:ph type="sldNum" sz="quarter" idx="4"/>
+          </p:nvPr>
+        </p:nvSpPr>
+        <p:spPr>
+          <a:xfrm>
+            <a:off x="579120" y="6325606"/>
+            <a:ext cx="2206217" cy="365125"/>
+          </a:xfrm>
+          <a:prstGeom prst="rect">
+            <a:avLst/>
+          </a:prstGeom>
+        </p:spPr>
+        <p:txBody>
+          <a:bodyPr/>
+          <a:lstStyle>
+            <a:lvl1pPr>
+              <a:defRPr sz="1200"/>
+            </a:lvl1pPr>
+          </a:lstStyle>
+          <a:p>
+            <a:pPr>
+              <a:defRPr/>
+            </a:pPr>
+            <a:r>
+              <a:rPr lang="en-US" dirty="0"/>
+              <a:t>Intro to HLS 11- </a:t>
+            </a:r>
+            <a:fld id="{060BD193-E118-4B16-863C-C8C12C675E3E}" type="slidenum">
+              <a:rPr lang="en-US" smtClean="0"/>
+              <a:pPr>
+                <a:defRPr/>
+              </a:pPr>
+              <a:t>‹#›</a:t>
+            </a:fld>
+            <a:endParaRPr lang="en-US" dirty="0"/>
           </a:p>
         </p:txBody>
       </p:sp>
@@ -11366,54 +11431,6 @@
               <a:rPr lang="en-US"/>
               <a:t>Simple Statement</a:t>
             </a:r>
-          </a:p>
-        </p:txBody>
-      </p:sp>
-      <p:sp>
-        <p:nvSpPr>
-          <p:cNvPr id="7" name="Slide Number Placeholder 4">
-            <a:extLst>
-              <a:ext uri="{FF2B5EF4-FFF2-40B4-BE49-F238E27FC236}">
-                <a16:creationId xmlns:a16="http://schemas.microsoft.com/office/drawing/2014/main" id="{1E052772-3EFC-D34C-AA1A-1135DE3C5541}"/>
-              </a:ext>
-            </a:extLst>
-          </p:cNvPr>
-          <p:cNvSpPr>
-            <a:spLocks noGrp="1"/>
-          </p:cNvSpPr>
-          <p:nvPr>
-            <p:ph type="sldNum" sz="quarter" idx="4"/>
-          </p:nvPr>
-        </p:nvSpPr>
-        <p:spPr>
-          <a:xfrm>
-            <a:off x="586646" y="6325609"/>
-            <a:ext cx="975360" cy="365125"/>
-          </a:xfrm>
-          <a:prstGeom prst="rect">
-            <a:avLst/>
-          </a:prstGeom>
-        </p:spPr>
-        <p:txBody>
-          <a:bodyPr vert="horz" lIns="91440" tIns="45720" rIns="91440" bIns="45720" rtlCol="0" anchor="ctr"/>
-          <a:lstStyle>
-            <a:lvl1pPr marL="0" indent="0" algn="l">
-              <a:buFont typeface="Arial" panose="020B0604020202020204" pitchFamily="34" charset="0"/>
-              <a:buNone/>
-              <a:defRPr sz="1133" b="1">
-                <a:solidFill>
-                  <a:schemeClr val="bg1"/>
-                </a:solidFill>
-              </a:defRPr>
-            </a:lvl1pPr>
-          </a:lstStyle>
-          <a:p>
-            <a:fld id="{626C978B-826E-438C-909A-E9C381D3FF04}" type="slidenum">
-              <a:rPr lang="en-US" smtClean="0"/>
-              <a:pPr/>
-              <a:t>‹#›</a:t>
-            </a:fld>
-            <a:endParaRPr lang="en-US"/>
           </a:p>
         </p:txBody>
       </p:sp>
@@ -11626,54 +11643,6 @@
           <a:lstStyle/>
           <a:p>
             <a:pPr algn="ctr"/>
-            <a:endParaRPr lang="en-US"/>
-          </a:p>
-        </p:txBody>
-      </p:sp>
-      <p:sp>
-        <p:nvSpPr>
-          <p:cNvPr id="9" name="Slide Number Placeholder 4">
-            <a:extLst>
-              <a:ext uri="{FF2B5EF4-FFF2-40B4-BE49-F238E27FC236}">
-                <a16:creationId xmlns:a16="http://schemas.microsoft.com/office/drawing/2014/main" id="{5B8CD8B4-2837-BA4D-9DA4-67F8481F164B}"/>
-              </a:ext>
-            </a:extLst>
-          </p:cNvPr>
-          <p:cNvSpPr>
-            <a:spLocks noGrp="1"/>
-          </p:cNvSpPr>
-          <p:nvPr>
-            <p:ph type="sldNum" sz="quarter" idx="4"/>
-          </p:nvPr>
-        </p:nvSpPr>
-        <p:spPr>
-          <a:xfrm>
-            <a:off x="586646" y="6325609"/>
-            <a:ext cx="975360" cy="365125"/>
-          </a:xfrm>
-          <a:prstGeom prst="rect">
-            <a:avLst/>
-          </a:prstGeom>
-        </p:spPr>
-        <p:txBody>
-          <a:bodyPr vert="horz" lIns="91440" tIns="45720" rIns="91440" bIns="45720" rtlCol="0" anchor="ctr"/>
-          <a:lstStyle>
-            <a:lvl1pPr marL="0" indent="0" algn="l">
-              <a:buFont typeface="Arial" panose="020B0604020202020204" pitchFamily="34" charset="0"/>
-              <a:buNone/>
-              <a:defRPr sz="1133" b="1">
-                <a:solidFill>
-                  <a:schemeClr val="bg1"/>
-                </a:solidFill>
-              </a:defRPr>
-            </a:lvl1pPr>
-          </a:lstStyle>
-          <a:p>
-            <a:fld id="{626C978B-826E-438C-909A-E9C381D3FF04}" type="slidenum">
-              <a:rPr lang="en-US" smtClean="0"/>
-              <a:pPr/>
-              <a:t>‹#›</a:t>
-            </a:fld>
             <a:endParaRPr lang="en-US"/>
           </a:p>
         </p:txBody>
@@ -12557,48 +12526,6 @@
       </p:sp>
       <p:sp>
         <p:nvSpPr>
-          <p:cNvPr id="5" name="Slide Number Placeholder 4"/>
-          <p:cNvSpPr>
-            <a:spLocks noGrp="1"/>
-          </p:cNvSpPr>
-          <p:nvPr>
-            <p:ph type="sldNum" sz="quarter" idx="4"/>
-          </p:nvPr>
-        </p:nvSpPr>
-        <p:spPr>
-          <a:xfrm>
-            <a:off x="579121" y="6325606"/>
-            <a:ext cx="975360" cy="365125"/>
-          </a:xfrm>
-          <a:prstGeom prst="rect">
-            <a:avLst/>
-          </a:prstGeom>
-        </p:spPr>
-        <p:txBody>
-          <a:bodyPr vert="horz" lIns="91440" tIns="45720" rIns="91440" bIns="45720" rtlCol="0" anchor="ctr"/>
-          <a:lstStyle>
-            <a:lvl1pPr marL="0" indent="0" algn="l">
-              <a:buFont typeface="Arial" panose="020B0604020202020204" pitchFamily="34" charset="0"/>
-              <a:buNone/>
-              <a:defRPr sz="1133" b="1">
-                <a:solidFill>
-                  <a:schemeClr val="tx1"/>
-                </a:solidFill>
-              </a:defRPr>
-            </a:lvl1pPr>
-          </a:lstStyle>
-          <a:p>
-            <a:fld id="{626C978B-826E-438C-909A-E9C381D3FF04}" type="slidenum">
-              <a:rPr lang="en-US" smtClean="0"/>
-              <a:pPr/>
-              <a:t>‹#›</a:t>
-            </a:fld>
-            <a:endParaRPr lang="en-US"/>
-          </a:p>
-        </p:txBody>
-      </p:sp>
-      <p:sp>
-        <p:nvSpPr>
           <p:cNvPr id="3" name="Text Placeholder 2"/>
           <p:cNvSpPr>
             <a:spLocks noGrp="1"/>
@@ -12690,10 +12617,10 @@
       </p:pic>
       <p:sp>
         <p:nvSpPr>
-          <p:cNvPr id="6" name="fc" descr="&#10;© Copyright 2022 AMD">
+          <p:cNvPr id="8" name="fc" descr="&#10;© Copyright 2022 AMD">
             <a:extLst>
               <a:ext uri="{FF2B5EF4-FFF2-40B4-BE49-F238E27FC236}">
-                <a16:creationId xmlns:a16="http://schemas.microsoft.com/office/drawing/2014/main" id="{E5E8B728-BA7F-47A5-9FDB-FD7B479B0106}"/>
+                <a16:creationId xmlns:a16="http://schemas.microsoft.com/office/drawing/2014/main" id="{3328C3C0-F8D7-492B-8AE5-C92DC596DE91}"/>
               </a:ext>
             </a:extLst>
           </p:cNvPr>
@@ -12703,7 +12630,7 @@
         <p:spPr>
           <a:xfrm>
             <a:off x="0" y="6512560"/>
-            <a:ext cx="12192000" cy="377026"/>
+            <a:ext cx="12192000" cy="230832"/>
           </a:xfrm>
           <a:prstGeom prst="rect">
             <a:avLst/>
@@ -12717,24 +12644,74 @@
           <a:lstStyle/>
           <a:p>
             <a:pPr algn="ctr"/>
-            <a:endParaRPr lang="en-US" sz="850" b="0" i="0" u="none" baseline="0">
+            <a:r>
+              <a:rPr lang="en-US" sz="900" b="0" i="0" u="none" strike="noStrike" kern="1200" baseline="0" dirty="0">
+                <a:solidFill>
+                  <a:schemeClr val="tx1"/>
+                </a:solidFill>
+                <a:latin typeface="+mn-lt"/>
+                <a:ea typeface="+mn-ea"/>
+                <a:cs typeface="+mn-cs"/>
+              </a:rPr>
+              <a:t>©2022 Advanced Micro Devices, Inc.</a:t>
+            </a:r>
+            <a:endParaRPr lang="en-US" sz="850" b="0" i="0" u="none" baseline="0" dirty="0">
               <a:solidFill>
                 <a:srgbClr val="000000"/>
               </a:solidFill>
               <a:latin typeface="Microsoft Sans Serif" panose="020B0604020202020204" pitchFamily="34" charset="0"/>
             </a:endParaRPr>
           </a:p>
-          <a:p>
-            <a:pPr algn="ctr"/>
-            <a:r>
-              <a:rPr lang="en-US" sz="1000" b="0" i="0" u="none" baseline="0">
-                <a:solidFill>
-                  <a:srgbClr val="000000"/>
-                </a:solidFill>
-                <a:latin typeface="Arial" panose="020B0604020202020204" pitchFamily="34" charset="0"/>
-              </a:rPr>
-              <a:t>© Copyright 2022 AMD</a:t>
-            </a:r>
+        </p:txBody>
+      </p:sp>
+      <p:sp>
+        <p:nvSpPr>
+          <p:cNvPr id="9" name="Slide Number Placeholder 7">
+            <a:extLst>
+              <a:ext uri="{FF2B5EF4-FFF2-40B4-BE49-F238E27FC236}">
+                <a16:creationId xmlns:a16="http://schemas.microsoft.com/office/drawing/2014/main" id="{FF80ECC4-41F8-476A-A023-8FCAA6B71CA3}"/>
+              </a:ext>
+            </a:extLst>
+          </p:cNvPr>
+          <p:cNvSpPr>
+            <a:spLocks noGrp="1"/>
+          </p:cNvSpPr>
+          <p:nvPr>
+            <p:ph type="sldNum" sz="quarter" idx="4"/>
+          </p:nvPr>
+        </p:nvSpPr>
+        <p:spPr>
+          <a:xfrm>
+            <a:off x="579120" y="6325606"/>
+            <a:ext cx="2206217" cy="365125"/>
+          </a:xfrm>
+          <a:prstGeom prst="rect">
+            <a:avLst/>
+          </a:prstGeom>
+        </p:spPr>
+        <p:txBody>
+          <a:bodyPr/>
+          <a:lstStyle>
+            <a:lvl1pPr>
+              <a:defRPr sz="1200"/>
+            </a:lvl1pPr>
+          </a:lstStyle>
+          <a:p>
+            <a:pPr>
+              <a:defRPr/>
+            </a:pPr>
+            <a:r>
+              <a:rPr lang="en-US" dirty="0"/>
+              <a:t>Intro to HLS 11- </a:t>
+            </a:r>
+            <a:fld id="{060BD193-E118-4B16-863C-C8C12C675E3E}" type="slidenum">
+              <a:rPr lang="en-US" smtClean="0"/>
+              <a:pPr>
+                <a:defRPr/>
+              </a:pPr>
+              <a:t>‹#›</a:t>
+            </a:fld>
+            <a:endParaRPr lang="en-US" dirty="0"/>
           </a:p>
         </p:txBody>
       </p:sp>
@@ -13886,10 +13863,7 @@
           <a:bodyPr/>
           <a:lstStyle/>
           <a:p>
-            <a:r>
-              <a:rPr lang="en-US" dirty="0"/>
-              <a:t>XUP</a:t>
-            </a:r>
+            <a:endParaRPr lang="en-US" dirty="0"/>
           </a:p>
         </p:txBody>
       </p:sp>
@@ -15143,8 +15117,8 @@
         </p:nvSpPr>
         <p:spPr>
           <a:xfrm>
-            <a:off x="647700" y="1049298"/>
-            <a:ext cx="10515600" cy="4759404"/>
+            <a:off x="579119" y="1034973"/>
+            <a:ext cx="11033760" cy="4632960"/>
           </a:xfrm>
         </p:spPr>
         <p:txBody>
@@ -15239,10 +15213,15 @@
             <a:spLocks noGrp="1"/>
           </p:cNvSpPr>
           <p:nvPr>
-            <p:ph type="sldNum" sz="quarter" idx="10"/>
+            <p:ph type="sldNum" sz="quarter" idx="4"/>
           </p:nvPr>
         </p:nvSpPr>
-        <p:spPr/>
+        <p:spPr>
+          <a:xfrm>
+            <a:off x="579120" y="6325606"/>
+            <a:ext cx="3154680" cy="365125"/>
+          </a:xfrm>
+        </p:spPr>
         <p:txBody>
           <a:bodyPr/>
           <a:lstStyle/>
@@ -15270,6 +15249,18 @@
   <p:clrMapOvr>
     <a:masterClrMapping/>
   </p:clrMapOvr>
+  <mc:AlternateContent xmlns:mc="http://schemas.openxmlformats.org/markup-compatibility/2006" xmlns:p14="http://schemas.microsoft.com/office/powerpoint/2010/main">
+    <mc:Choice Requires="p14">
+      <p:transition spd="med" p14:dur="700">
+        <p:fade/>
+      </p:transition>
+    </mc:Choice>
+    <mc:Fallback xmlns="">
+      <p:transition spd="med">
+        <p:fade/>
+      </p:transition>
+    </mc:Fallback>
+  </mc:AlternateContent>
 </p:sld>
 </file>
 
@@ -15560,10 +15551,15 @@
             <a:spLocks noGrp="1"/>
           </p:cNvSpPr>
           <p:nvPr>
-            <p:ph type="sldNum" sz="quarter" idx="10"/>
+            <p:ph type="sldNum" sz="quarter" idx="4"/>
           </p:nvPr>
         </p:nvSpPr>
-        <p:spPr/>
+        <p:spPr>
+          <a:xfrm>
+            <a:off x="579120" y="6325606"/>
+            <a:ext cx="2894247" cy="365125"/>
+          </a:xfrm>
+        </p:spPr>
         <p:txBody>
           <a:bodyPr/>
           <a:lstStyle/>
@@ -15583,78 +15579,6 @@
               <a:t>15</a:t>
             </a:fld>
             <a:endParaRPr lang="en-US" dirty="0"/>
-          </a:p>
-        </p:txBody>
-      </p:sp>
-      <p:sp>
-        <p:nvSpPr>
-          <p:cNvPr id="31" name="Slide Number Placeholder 3"/>
-          <p:cNvSpPr txBox="1">
-            <a:spLocks/>
-          </p:cNvSpPr>
-          <p:nvPr/>
-        </p:nvSpPr>
-        <p:spPr>
-          <a:xfrm>
-            <a:off x="611030" y="6347782"/>
-            <a:ext cx="1117309" cy="244475"/>
-          </a:xfrm>
-          <a:prstGeom prst="rect">
-            <a:avLst/>
-          </a:prstGeom>
-        </p:spPr>
-        <p:txBody>
-          <a:bodyPr/>
-          <a:lstStyle/>
-          <a:p>
-            <a:pPr defTabSz="457200" fontAlgn="base">
-              <a:spcBef>
-                <a:spcPct val="0"/>
-              </a:spcBef>
-              <a:spcAft>
-                <a:spcPct val="0"/>
-              </a:spcAft>
-              <a:defRPr/>
-            </a:pPr>
-            <a:r>
-              <a:rPr lang="en-US" sz="1000">
-                <a:solidFill>
-                  <a:schemeClr val="bg1"/>
-                </a:solidFill>
-                <a:latin typeface="Arial" charset="0"/>
-                <a:ea typeface="ＭＳ Ｐゴシック" pitchFamily="34" charset="-128"/>
-                <a:cs typeface="Arial" charset="0"/>
-              </a:rPr>
-              <a:t>21- </a:t>
-            </a:r>
-            <a:fld id="{0E88F696-905B-490D-9D4B-033243675593}" type="slidenum">
-              <a:rPr lang="en-US" sz="1000">
-                <a:solidFill>
-                  <a:schemeClr val="bg1"/>
-                </a:solidFill>
-                <a:latin typeface="Arial" charset="0"/>
-                <a:ea typeface="ＭＳ Ｐゴシック" pitchFamily="34" charset="-128"/>
-                <a:cs typeface="Arial" charset="0"/>
-              </a:rPr>
-              <a:pPr defTabSz="457200" fontAlgn="base">
-                <a:spcBef>
-                  <a:spcPct val="0"/>
-                </a:spcBef>
-                <a:spcAft>
-                  <a:spcPct val="0"/>
-                </a:spcAft>
-                <a:defRPr/>
-              </a:pPr>
-              <a:t>15</a:t>
-            </a:fld>
-            <a:endParaRPr lang="en-US" sz="1000" dirty="0">
-              <a:solidFill>
-                <a:schemeClr val="bg1"/>
-              </a:solidFill>
-              <a:latin typeface="Arial" charset="0"/>
-              <a:ea typeface="ＭＳ Ｐゴシック" pitchFamily="34" charset="-128"/>
-              <a:cs typeface="Arial" charset="0"/>
-            </a:endParaRPr>
           </a:p>
         </p:txBody>
       </p:sp>
@@ -17114,6 +17038,18 @@
   <p:clrMapOvr>
     <a:masterClrMapping/>
   </p:clrMapOvr>
+  <mc:AlternateContent xmlns:mc="http://schemas.openxmlformats.org/markup-compatibility/2006" xmlns:p14="http://schemas.microsoft.com/office/powerpoint/2010/main">
+    <mc:Choice Requires="p14">
+      <p:transition spd="med" p14:dur="700">
+        <p:fade/>
+      </p:transition>
+    </mc:Choice>
+    <mc:Fallback xmlns="">
+      <p:transition spd="med">
+        <p:fade/>
+      </p:transition>
+    </mc:Fallback>
+  </mc:AlternateContent>
   <p:timing>
     <p:tnLst>
       <p:par>
@@ -19003,7 +18939,12 @@
             <p:ph idx="1"/>
           </p:nvPr>
         </p:nvSpPr>
-        <p:spPr/>
+        <p:spPr>
+          <a:xfrm>
+            <a:off x="579121" y="1280160"/>
+            <a:ext cx="11033760" cy="4632960"/>
+          </a:xfrm>
+        </p:spPr>
         <p:txBody>
           <a:bodyPr>
             <a:noAutofit/>
@@ -19120,10 +19061,15 @@
             <a:spLocks noGrp="1"/>
           </p:cNvSpPr>
           <p:nvPr>
-            <p:ph type="sldNum" sz="quarter" idx="10"/>
+            <p:ph type="sldNum" sz="quarter" idx="4"/>
           </p:nvPr>
         </p:nvSpPr>
-        <p:spPr/>
+        <p:spPr>
+          <a:xfrm>
+            <a:off x="579119" y="6325606"/>
+            <a:ext cx="3323577" cy="365125"/>
+          </a:xfrm>
+        </p:spPr>
         <p:txBody>
           <a:bodyPr/>
           <a:lstStyle/>
@@ -19143,78 +19089,6 @@
               <a:t>17</a:t>
             </a:fld>
             <a:endParaRPr lang="en-US" dirty="0"/>
-          </a:p>
-        </p:txBody>
-      </p:sp>
-      <p:sp>
-        <p:nvSpPr>
-          <p:cNvPr id="8" name="Slide Number Placeholder 3"/>
-          <p:cNvSpPr txBox="1">
-            <a:spLocks/>
-          </p:cNvSpPr>
-          <p:nvPr/>
-        </p:nvSpPr>
-        <p:spPr>
-          <a:xfrm>
-            <a:off x="611030" y="6347782"/>
-            <a:ext cx="1117309" cy="244475"/>
-          </a:xfrm>
-          <a:prstGeom prst="rect">
-            <a:avLst/>
-          </a:prstGeom>
-        </p:spPr>
-        <p:txBody>
-          <a:bodyPr/>
-          <a:lstStyle/>
-          <a:p>
-            <a:pPr defTabSz="457200" fontAlgn="base">
-              <a:spcBef>
-                <a:spcPct val="0"/>
-              </a:spcBef>
-              <a:spcAft>
-                <a:spcPct val="0"/>
-              </a:spcAft>
-              <a:defRPr/>
-            </a:pPr>
-            <a:r>
-              <a:rPr lang="en-US" sz="1000">
-                <a:solidFill>
-                  <a:schemeClr val="bg1"/>
-                </a:solidFill>
-                <a:latin typeface="Arial" charset="0"/>
-                <a:ea typeface="ＭＳ Ｐゴシック" pitchFamily="34" charset="-128"/>
-                <a:cs typeface="Arial" charset="0"/>
-              </a:rPr>
-              <a:t>21- </a:t>
-            </a:r>
-            <a:fld id="{0E88F696-905B-490D-9D4B-033243675593}" type="slidenum">
-              <a:rPr lang="en-US" sz="1000">
-                <a:solidFill>
-                  <a:schemeClr val="bg1"/>
-                </a:solidFill>
-                <a:latin typeface="Arial" charset="0"/>
-                <a:ea typeface="ＭＳ Ｐゴシック" pitchFamily="34" charset="-128"/>
-                <a:cs typeface="Arial" charset="0"/>
-              </a:rPr>
-              <a:pPr defTabSz="457200" fontAlgn="base">
-                <a:spcBef>
-                  <a:spcPct val="0"/>
-                </a:spcBef>
-                <a:spcAft>
-                  <a:spcPct val="0"/>
-                </a:spcAft>
-                <a:defRPr/>
-              </a:pPr>
-              <a:t>17</a:t>
-            </a:fld>
-            <a:endParaRPr lang="en-US" sz="1000" dirty="0">
-              <a:solidFill>
-                <a:schemeClr val="bg1"/>
-              </a:solidFill>
-              <a:latin typeface="Arial" charset="0"/>
-              <a:ea typeface="ＭＳ Ｐゴシック" pitchFamily="34" charset="-128"/>
-              <a:cs typeface="Arial" charset="0"/>
-            </a:endParaRPr>
           </a:p>
         </p:txBody>
       </p:sp>
@@ -19253,6 +19127,18 @@
   <p:clrMapOvr>
     <a:masterClrMapping/>
   </p:clrMapOvr>
+  <mc:AlternateContent xmlns:mc="http://schemas.openxmlformats.org/markup-compatibility/2006" xmlns:p14="http://schemas.microsoft.com/office/powerpoint/2010/main">
+    <mc:Choice Requires="p14">
+      <p:transition spd="med" p14:dur="700">
+        <p:fade/>
+      </p:transition>
+    </mc:Choice>
+    <mc:Fallback xmlns="">
+      <p:transition spd="med">
+        <p:fade/>
+      </p:transition>
+    </mc:Fallback>
+  </mc:AlternateContent>
 </p:sld>
 </file>
 
@@ -19668,8 +19554,8 @@
         </p:nvSpPr>
         <p:spPr>
           <a:xfrm>
-            <a:off x="667293" y="1315918"/>
-            <a:ext cx="10515600" cy="4759404"/>
+            <a:off x="579121" y="1305066"/>
+            <a:ext cx="11033760" cy="4632960"/>
           </a:xfrm>
         </p:spPr>
         <p:txBody>
@@ -19693,10 +19579,15 @@
             <a:spLocks noGrp="1"/>
           </p:cNvSpPr>
           <p:nvPr>
-            <p:ph type="sldNum" sz="quarter" idx="10"/>
+            <p:ph type="sldNum" sz="quarter" idx="4"/>
           </p:nvPr>
         </p:nvSpPr>
-        <p:spPr/>
+        <p:spPr>
+          <a:xfrm>
+            <a:off x="579120" y="6325606"/>
+            <a:ext cx="3040773" cy="365125"/>
+          </a:xfrm>
+        </p:spPr>
         <p:txBody>
           <a:bodyPr/>
           <a:lstStyle/>
@@ -19716,78 +19607,6 @@
               <a:t>19</a:t>
             </a:fld>
             <a:endParaRPr lang="en-US" dirty="0"/>
-          </a:p>
-        </p:txBody>
-      </p:sp>
-      <p:sp>
-        <p:nvSpPr>
-          <p:cNvPr id="65" name="Slide Number Placeholder 3"/>
-          <p:cNvSpPr txBox="1">
-            <a:spLocks/>
-          </p:cNvSpPr>
-          <p:nvPr/>
-        </p:nvSpPr>
-        <p:spPr>
-          <a:xfrm>
-            <a:off x="611030" y="6347782"/>
-            <a:ext cx="1117309" cy="244475"/>
-          </a:xfrm>
-          <a:prstGeom prst="rect">
-            <a:avLst/>
-          </a:prstGeom>
-        </p:spPr>
-        <p:txBody>
-          <a:bodyPr/>
-          <a:lstStyle/>
-          <a:p>
-            <a:pPr defTabSz="457200" fontAlgn="base">
-              <a:spcBef>
-                <a:spcPct val="0"/>
-              </a:spcBef>
-              <a:spcAft>
-                <a:spcPct val="0"/>
-              </a:spcAft>
-              <a:defRPr/>
-            </a:pPr>
-            <a:r>
-              <a:rPr lang="en-US" sz="1000">
-                <a:solidFill>
-                  <a:schemeClr val="bg1"/>
-                </a:solidFill>
-                <a:latin typeface="Arial" charset="0"/>
-                <a:ea typeface="ＭＳ Ｐゴシック" pitchFamily="34" charset="-128"/>
-                <a:cs typeface="Arial" charset="0"/>
-              </a:rPr>
-              <a:t>21- </a:t>
-            </a:r>
-            <a:fld id="{0E88F696-905B-490D-9D4B-033243675593}" type="slidenum">
-              <a:rPr lang="en-US" sz="1000">
-                <a:solidFill>
-                  <a:schemeClr val="bg1"/>
-                </a:solidFill>
-                <a:latin typeface="Arial" charset="0"/>
-                <a:ea typeface="ＭＳ Ｐゴシック" pitchFamily="34" charset="-128"/>
-                <a:cs typeface="Arial" charset="0"/>
-              </a:rPr>
-              <a:pPr defTabSz="457200" fontAlgn="base">
-                <a:spcBef>
-                  <a:spcPct val="0"/>
-                </a:spcBef>
-                <a:spcAft>
-                  <a:spcPct val="0"/>
-                </a:spcAft>
-                <a:defRPr/>
-              </a:pPr>
-              <a:t>19</a:t>
-            </a:fld>
-            <a:endParaRPr lang="en-US" sz="1000" dirty="0">
-              <a:solidFill>
-                <a:schemeClr val="bg1"/>
-              </a:solidFill>
-              <a:latin typeface="Arial" charset="0"/>
-              <a:ea typeface="ＭＳ Ｐゴシック" pitchFamily="34" charset="-128"/>
-              <a:cs typeface="Arial" charset="0"/>
-            </a:endParaRPr>
           </a:p>
         </p:txBody>
       </p:sp>
@@ -23345,6 +23164,18 @@
   <p:clrMapOvr>
     <a:masterClrMapping/>
   </p:clrMapOvr>
+  <mc:AlternateContent xmlns:mc="http://schemas.openxmlformats.org/markup-compatibility/2006" xmlns:p14="http://schemas.microsoft.com/office/powerpoint/2010/main">
+    <mc:Choice Requires="p14">
+      <p:transition spd="med" p14:dur="700">
+        <p:fade/>
+      </p:transition>
+    </mc:Choice>
+    <mc:Fallback xmlns="">
+      <p:transition spd="med">
+        <p:fade/>
+      </p:transition>
+    </mc:Fallback>
+  </mc:AlternateContent>
 </p:sld>
 </file>
 
@@ -23463,10 +23294,15 @@
             <a:spLocks noGrp="1"/>
           </p:cNvSpPr>
           <p:nvPr>
-            <p:ph type="sldNum" sz="quarter" idx="10"/>
+            <p:ph type="sldNum" sz="quarter" idx="4"/>
           </p:nvPr>
         </p:nvSpPr>
-        <p:spPr/>
+        <p:spPr>
+          <a:xfrm>
+            <a:off x="579120" y="6325606"/>
+            <a:ext cx="2751909" cy="365125"/>
+          </a:xfrm>
+        </p:spPr>
         <p:txBody>
           <a:bodyPr/>
           <a:lstStyle/>
@@ -23494,6 +23330,18 @@
   <p:clrMapOvr>
     <a:masterClrMapping/>
   </p:clrMapOvr>
+  <mc:AlternateContent xmlns:mc="http://schemas.openxmlformats.org/markup-compatibility/2006" xmlns:p14="http://schemas.microsoft.com/office/powerpoint/2010/main">
+    <mc:Choice Requires="p14">
+      <p:transition spd="med" p14:dur="700">
+        <p:fade/>
+      </p:transition>
+    </mc:Choice>
+    <mc:Fallback xmlns="">
+      <p:transition spd="med">
+        <p:fade/>
+      </p:transition>
+    </mc:Fallback>
+  </mc:AlternateContent>
 </p:sld>
 </file>
 
@@ -27317,10 +27165,15 @@
             <a:spLocks noGrp="1"/>
           </p:cNvSpPr>
           <p:nvPr>
-            <p:ph type="sldNum" sz="quarter" idx="10"/>
+            <p:ph type="sldNum" sz="quarter" idx="4"/>
           </p:nvPr>
         </p:nvSpPr>
-        <p:spPr/>
+        <p:spPr>
+          <a:xfrm>
+            <a:off x="579120" y="6325606"/>
+            <a:ext cx="2871090" cy="365125"/>
+          </a:xfrm>
+        </p:spPr>
         <p:txBody>
           <a:bodyPr/>
           <a:lstStyle/>
@@ -27631,78 +27484,6 @@
           </a:p>
         </p:txBody>
       </p:sp>
-      <p:sp>
-        <p:nvSpPr>
-          <p:cNvPr id="66" name="Slide Number Placeholder 3"/>
-          <p:cNvSpPr txBox="1">
-            <a:spLocks/>
-          </p:cNvSpPr>
-          <p:nvPr/>
-        </p:nvSpPr>
-        <p:spPr>
-          <a:xfrm>
-            <a:off x="611030" y="6347782"/>
-            <a:ext cx="1117309" cy="244475"/>
-          </a:xfrm>
-          <a:prstGeom prst="rect">
-            <a:avLst/>
-          </a:prstGeom>
-        </p:spPr>
-        <p:txBody>
-          <a:bodyPr/>
-          <a:lstStyle/>
-          <a:p>
-            <a:pPr defTabSz="457200" fontAlgn="base">
-              <a:spcBef>
-                <a:spcPct val="0"/>
-              </a:spcBef>
-              <a:spcAft>
-                <a:spcPct val="0"/>
-              </a:spcAft>
-              <a:defRPr/>
-            </a:pPr>
-            <a:r>
-              <a:rPr lang="en-US" sz="1000">
-                <a:solidFill>
-                  <a:schemeClr val="bg1"/>
-                </a:solidFill>
-                <a:latin typeface="Arial" charset="0"/>
-                <a:ea typeface="ＭＳ Ｐゴシック" pitchFamily="34" charset="-128"/>
-                <a:cs typeface="Arial" charset="0"/>
-              </a:rPr>
-              <a:t>21- </a:t>
-            </a:r>
-            <a:fld id="{0E88F696-905B-490D-9D4B-033243675593}" type="slidenum">
-              <a:rPr lang="en-US" sz="1000">
-                <a:solidFill>
-                  <a:schemeClr val="bg1"/>
-                </a:solidFill>
-                <a:latin typeface="Arial" charset="0"/>
-                <a:ea typeface="ＭＳ Ｐゴシック" pitchFamily="34" charset="-128"/>
-                <a:cs typeface="Arial" charset="0"/>
-              </a:rPr>
-              <a:pPr defTabSz="457200" fontAlgn="base">
-                <a:spcBef>
-                  <a:spcPct val="0"/>
-                </a:spcBef>
-                <a:spcAft>
-                  <a:spcPct val="0"/>
-                </a:spcAft>
-                <a:defRPr/>
-              </a:pPr>
-              <a:t>21</a:t>
-            </a:fld>
-            <a:endParaRPr lang="en-US" sz="1000" dirty="0">
-              <a:solidFill>
-                <a:schemeClr val="bg1"/>
-              </a:solidFill>
-              <a:latin typeface="Arial" charset="0"/>
-              <a:ea typeface="ＭＳ Ｐゴシック" pitchFamily="34" charset="-128"/>
-              <a:cs typeface="Arial" charset="0"/>
-            </a:endParaRPr>
-          </a:p>
-        </p:txBody>
-      </p:sp>
       <p:pic>
         <p:nvPicPr>
           <p:cNvPr id="141314" name="Picture 2"/>
@@ -27740,6 +27521,18 @@
   <p:clrMapOvr>
     <a:masterClrMapping/>
   </p:clrMapOvr>
+  <mc:AlternateContent xmlns:mc="http://schemas.openxmlformats.org/markup-compatibility/2006" xmlns:p14="http://schemas.microsoft.com/office/powerpoint/2010/main">
+    <mc:Choice Requires="p14">
+      <p:transition spd="med" p14:dur="700">
+        <p:fade/>
+      </p:transition>
+    </mc:Choice>
+    <mc:Fallback xmlns="">
+      <p:transition spd="med">
+        <p:fade/>
+      </p:transition>
+    </mc:Fallback>
+  </mc:AlternateContent>
 </p:sld>
 </file>
 
@@ -28347,8 +28140,8 @@
         </p:nvSpPr>
         <p:spPr>
           <a:xfrm>
-            <a:off x="611562" y="1200795"/>
-            <a:ext cx="10515600" cy="4759404"/>
+            <a:off x="579120" y="1174301"/>
+            <a:ext cx="11033760" cy="4632960"/>
           </a:xfrm>
         </p:spPr>
         <p:txBody>
@@ -28412,10 +28205,15 @@
             <a:spLocks noGrp="1"/>
           </p:cNvSpPr>
           <p:nvPr>
-            <p:ph type="sldNum" sz="quarter" idx="10"/>
+            <p:ph type="sldNum" sz="quarter" idx="4"/>
           </p:nvPr>
         </p:nvSpPr>
-        <p:spPr/>
+        <p:spPr>
+          <a:xfrm>
+            <a:off x="579120" y="6325606"/>
+            <a:ext cx="2786249" cy="365125"/>
+          </a:xfrm>
+        </p:spPr>
         <p:txBody>
           <a:bodyPr/>
           <a:lstStyle/>
@@ -28510,78 +28308,6 @@
               </a:rPr>
               <a:t> of the loop uses the same hardware resources</a:t>
             </a:r>
-          </a:p>
-        </p:txBody>
-      </p:sp>
-      <p:sp>
-        <p:nvSpPr>
-          <p:cNvPr id="34" name="Slide Number Placeholder 3"/>
-          <p:cNvSpPr txBox="1">
-            <a:spLocks/>
-          </p:cNvSpPr>
-          <p:nvPr/>
-        </p:nvSpPr>
-        <p:spPr>
-          <a:xfrm>
-            <a:off x="611030" y="6347782"/>
-            <a:ext cx="1117309" cy="244475"/>
-          </a:xfrm>
-          <a:prstGeom prst="rect">
-            <a:avLst/>
-          </a:prstGeom>
-        </p:spPr>
-        <p:txBody>
-          <a:bodyPr/>
-          <a:lstStyle/>
-          <a:p>
-            <a:pPr defTabSz="457200" fontAlgn="base">
-              <a:spcBef>
-                <a:spcPct val="0"/>
-              </a:spcBef>
-              <a:spcAft>
-                <a:spcPct val="0"/>
-              </a:spcAft>
-              <a:defRPr/>
-            </a:pPr>
-            <a:r>
-              <a:rPr lang="en-US" sz="1000">
-                <a:solidFill>
-                  <a:schemeClr val="bg1"/>
-                </a:solidFill>
-                <a:latin typeface="Arial" charset="0"/>
-                <a:ea typeface="ＭＳ Ｐゴシック" pitchFamily="34" charset="-128"/>
-                <a:cs typeface="Arial" charset="0"/>
-              </a:rPr>
-              <a:t>21- </a:t>
-            </a:r>
-            <a:fld id="{0E88F696-905B-490D-9D4B-033243675593}" type="slidenum">
-              <a:rPr lang="en-US" sz="1000">
-                <a:solidFill>
-                  <a:schemeClr val="bg1"/>
-                </a:solidFill>
-                <a:latin typeface="Arial" charset="0"/>
-                <a:ea typeface="ＭＳ Ｐゴシック" pitchFamily="34" charset="-128"/>
-                <a:cs typeface="Arial" charset="0"/>
-              </a:rPr>
-              <a:pPr defTabSz="457200" fontAlgn="base">
-                <a:spcBef>
-                  <a:spcPct val="0"/>
-                </a:spcBef>
-                <a:spcAft>
-                  <a:spcPct val="0"/>
-                </a:spcAft>
-                <a:defRPr/>
-              </a:pPr>
-              <a:t>23</a:t>
-            </a:fld>
-            <a:endParaRPr lang="en-US" sz="1000" dirty="0">
-              <a:solidFill>
-                <a:schemeClr val="bg1"/>
-              </a:solidFill>
-              <a:latin typeface="Arial" charset="0"/>
-              <a:ea typeface="ＭＳ Ｐゴシック" pitchFamily="34" charset="-128"/>
-              <a:cs typeface="Arial" charset="0"/>
-            </a:endParaRPr>
           </a:p>
         </p:txBody>
       </p:sp>
@@ -29817,6 +29543,18 @@
   <p:clrMapOvr>
     <a:masterClrMapping/>
   </p:clrMapOvr>
+  <mc:AlternateContent xmlns:mc="http://schemas.openxmlformats.org/markup-compatibility/2006" xmlns:p14="http://schemas.microsoft.com/office/powerpoint/2010/main">
+    <mc:Choice Requires="p14">
+      <p:transition spd="med" p14:dur="700">
+        <p:fade/>
+      </p:transition>
+    </mc:Choice>
+    <mc:Fallback xmlns="">
+      <p:transition spd="med">
+        <p:fade/>
+      </p:transition>
+    </mc:Fallback>
+  </mc:AlternateContent>
   <p:timing>
     <p:tnLst>
       <p:par>
@@ -31599,8 +31337,8 @@
         </p:nvSpPr>
         <p:spPr>
           <a:xfrm>
-            <a:off x="611030" y="1285880"/>
-            <a:ext cx="10515600" cy="4759404"/>
+            <a:off x="579121" y="1302336"/>
+            <a:ext cx="11033760" cy="4632960"/>
           </a:xfrm>
         </p:spPr>
         <p:txBody>
@@ -31695,10 +31433,15 @@
             <a:spLocks noGrp="1"/>
           </p:cNvSpPr>
           <p:nvPr>
-            <p:ph type="sldNum" sz="quarter" idx="10"/>
+            <p:ph type="sldNum" sz="quarter" idx="4"/>
           </p:nvPr>
         </p:nvSpPr>
-        <p:spPr/>
+        <p:spPr>
+          <a:xfrm>
+            <a:off x="579120" y="6325606"/>
+            <a:ext cx="3389565" cy="365125"/>
+          </a:xfrm>
+        </p:spPr>
         <p:txBody>
           <a:bodyPr/>
           <a:lstStyle/>
@@ -31793,78 +31536,6 @@
               </a:rPr>
               <a:t>], any address logic and any potential memory accesses</a:t>
             </a:r>
-          </a:p>
-        </p:txBody>
-      </p:sp>
-      <p:sp>
-        <p:nvSpPr>
-          <p:cNvPr id="13" name="Slide Number Placeholder 3"/>
-          <p:cNvSpPr txBox="1">
-            <a:spLocks/>
-          </p:cNvSpPr>
-          <p:nvPr/>
-        </p:nvSpPr>
-        <p:spPr>
-          <a:xfrm>
-            <a:off x="611030" y="6347782"/>
-            <a:ext cx="1117309" cy="244475"/>
-          </a:xfrm>
-          <a:prstGeom prst="rect">
-            <a:avLst/>
-          </a:prstGeom>
-        </p:spPr>
-        <p:txBody>
-          <a:bodyPr/>
-          <a:lstStyle/>
-          <a:p>
-            <a:pPr defTabSz="457200" fontAlgn="base">
-              <a:spcBef>
-                <a:spcPct val="0"/>
-              </a:spcBef>
-              <a:spcAft>
-                <a:spcPct val="0"/>
-              </a:spcAft>
-              <a:defRPr/>
-            </a:pPr>
-            <a:r>
-              <a:rPr lang="en-US" sz="1000">
-                <a:solidFill>
-                  <a:schemeClr val="bg1"/>
-                </a:solidFill>
-                <a:latin typeface="Arial" charset="0"/>
-                <a:ea typeface="ＭＳ Ｐゴシック" pitchFamily="34" charset="-128"/>
-                <a:cs typeface="Arial" charset="0"/>
-              </a:rPr>
-              <a:t>21- </a:t>
-            </a:r>
-            <a:fld id="{0E88F696-905B-490D-9D4B-033243675593}" type="slidenum">
-              <a:rPr lang="en-US" sz="1000">
-                <a:solidFill>
-                  <a:schemeClr val="bg1"/>
-                </a:solidFill>
-                <a:latin typeface="Arial" charset="0"/>
-                <a:ea typeface="ＭＳ Ｐゴシック" pitchFamily="34" charset="-128"/>
-                <a:cs typeface="Arial" charset="0"/>
-              </a:rPr>
-              <a:pPr defTabSz="457200" fontAlgn="base">
-                <a:spcBef>
-                  <a:spcPct val="0"/>
-                </a:spcBef>
-                <a:spcAft>
-                  <a:spcPct val="0"/>
-                </a:spcAft>
-                <a:defRPr/>
-              </a:pPr>
-              <a:t>25</a:t>
-            </a:fld>
-            <a:endParaRPr lang="en-US" sz="1000" dirty="0">
-              <a:solidFill>
-                <a:schemeClr val="bg1"/>
-              </a:solidFill>
-              <a:latin typeface="Arial" charset="0"/>
-              <a:ea typeface="ＭＳ Ｐゴシック" pitchFamily="34" charset="-128"/>
-              <a:cs typeface="Arial" charset="0"/>
-            </a:endParaRPr>
           </a:p>
         </p:txBody>
       </p:sp>
@@ -32956,6 +32627,18 @@
   <p:clrMapOvr>
     <a:masterClrMapping/>
   </p:clrMapOvr>
+  <mc:AlternateContent xmlns:mc="http://schemas.openxmlformats.org/markup-compatibility/2006" xmlns:p14="http://schemas.microsoft.com/office/powerpoint/2010/main">
+    <mc:Choice Requires="p14">
+      <p:transition spd="med" p14:dur="700">
+        <p:fade/>
+      </p:transition>
+    </mc:Choice>
+    <mc:Fallback xmlns="">
+      <p:transition spd="med">
+        <p:fade/>
+      </p:transition>
+    </mc:Fallback>
+  </mc:AlternateContent>
 </p:sld>
 </file>
 
@@ -34483,8 +34166,8 @@
         </p:nvSpPr>
         <p:spPr>
           <a:xfrm>
-            <a:off x="649119" y="1463040"/>
-            <a:ext cx="8455410" cy="4608839"/>
+            <a:off x="579121" y="1470401"/>
+            <a:ext cx="8307665" cy="4632960"/>
           </a:xfrm>
         </p:spPr>
         <p:txBody>
@@ -34576,10 +34259,15 @@
             <a:spLocks noGrp="1"/>
           </p:cNvSpPr>
           <p:nvPr>
-            <p:ph type="sldNum" sz="quarter" idx="10"/>
+            <p:ph type="sldNum" sz="quarter" idx="4"/>
           </p:nvPr>
         </p:nvSpPr>
-        <p:spPr/>
+        <p:spPr>
+          <a:xfrm>
+            <a:off x="579120" y="6325606"/>
+            <a:ext cx="3333004" cy="365125"/>
+          </a:xfrm>
+        </p:spPr>
         <p:txBody>
           <a:bodyPr/>
           <a:lstStyle/>
@@ -34599,78 +34287,6 @@
               <a:t>27</a:t>
             </a:fld>
             <a:endParaRPr lang="en-US" dirty="0"/>
-          </a:p>
-        </p:txBody>
-      </p:sp>
-      <p:sp>
-        <p:nvSpPr>
-          <p:cNvPr id="7" name="Slide Number Placeholder 3"/>
-          <p:cNvSpPr txBox="1">
-            <a:spLocks/>
-          </p:cNvSpPr>
-          <p:nvPr/>
-        </p:nvSpPr>
-        <p:spPr>
-          <a:xfrm>
-            <a:off x="611030" y="6347782"/>
-            <a:ext cx="1117309" cy="244475"/>
-          </a:xfrm>
-          <a:prstGeom prst="rect">
-            <a:avLst/>
-          </a:prstGeom>
-        </p:spPr>
-        <p:txBody>
-          <a:bodyPr/>
-          <a:lstStyle/>
-          <a:p>
-            <a:pPr defTabSz="457200" fontAlgn="base">
-              <a:spcBef>
-                <a:spcPct val="0"/>
-              </a:spcBef>
-              <a:spcAft>
-                <a:spcPct val="0"/>
-              </a:spcAft>
-              <a:defRPr/>
-            </a:pPr>
-            <a:r>
-              <a:rPr lang="en-US" sz="1000">
-                <a:solidFill>
-                  <a:schemeClr val="bg1"/>
-                </a:solidFill>
-                <a:latin typeface="Arial" charset="0"/>
-                <a:ea typeface="ＭＳ Ｐゴシック" pitchFamily="34" charset="-128"/>
-                <a:cs typeface="Arial" charset="0"/>
-              </a:rPr>
-              <a:t>21- </a:t>
-            </a:r>
-            <a:fld id="{0E88F696-905B-490D-9D4B-033243675593}" type="slidenum">
-              <a:rPr lang="en-US" sz="1000">
-                <a:solidFill>
-                  <a:schemeClr val="bg1"/>
-                </a:solidFill>
-                <a:latin typeface="Arial" charset="0"/>
-                <a:ea typeface="ＭＳ Ｐゴシック" pitchFamily="34" charset="-128"/>
-                <a:cs typeface="Arial" charset="0"/>
-              </a:rPr>
-              <a:pPr defTabSz="457200" fontAlgn="base">
-                <a:spcBef>
-                  <a:spcPct val="0"/>
-                </a:spcBef>
-                <a:spcAft>
-                  <a:spcPct val="0"/>
-                </a:spcAft>
-                <a:defRPr/>
-              </a:pPr>
-              <a:t>27</a:t>
-            </a:fld>
-            <a:endParaRPr lang="en-US" sz="1000" dirty="0">
-              <a:solidFill>
-                <a:schemeClr val="bg1"/>
-              </a:solidFill>
-              <a:latin typeface="Arial" charset="0"/>
-              <a:ea typeface="ＭＳ Ｐゴシック" pitchFamily="34" charset="-128"/>
-              <a:cs typeface="Arial" charset="0"/>
-            </a:endParaRPr>
           </a:p>
         </p:txBody>
       </p:sp>
@@ -34709,6 +34325,18 @@
   <p:clrMapOvr>
     <a:masterClrMapping/>
   </p:clrMapOvr>
+  <mc:AlternateContent xmlns:mc="http://schemas.openxmlformats.org/markup-compatibility/2006" xmlns:p14="http://schemas.microsoft.com/office/powerpoint/2010/main">
+    <mc:Choice Requires="p14">
+      <p:transition spd="med" p14:dur="700">
+        <p:fade/>
+      </p:transition>
+    </mc:Choice>
+    <mc:Fallback xmlns="">
+      <p:transition spd="med">
+        <p:fade/>
+      </p:transition>
+    </mc:Fallback>
+  </mc:AlternateContent>
 </p:sld>
 </file>
 
@@ -35538,6 +35166,50 @@
               <a:rPr lang="en-US" altLang="zh-CN" dirty="0"/>
               <a:t>Summary</a:t>
             </a:r>
+          </a:p>
+        </p:txBody>
+      </p:sp>
+      <p:sp>
+        <p:nvSpPr>
+          <p:cNvPr id="4" name="Slide Number Placeholder 13">
+            <a:extLst>
+              <a:ext uri="{FF2B5EF4-FFF2-40B4-BE49-F238E27FC236}">
+                <a16:creationId xmlns:a16="http://schemas.microsoft.com/office/drawing/2014/main" id="{2B72598F-6FB7-4E6C-805B-878096ED6F27}"/>
+              </a:ext>
+            </a:extLst>
+          </p:cNvPr>
+          <p:cNvSpPr>
+            <a:spLocks noGrp="1"/>
+          </p:cNvSpPr>
+          <p:nvPr>
+            <p:ph type="sldNum" sz="quarter" idx="4"/>
+          </p:nvPr>
+        </p:nvSpPr>
+        <p:spPr>
+          <a:xfrm>
+            <a:off x="579120" y="6325606"/>
+            <a:ext cx="2751909" cy="365125"/>
+          </a:xfrm>
+        </p:spPr>
+        <p:txBody>
+          <a:bodyPr/>
+          <a:lstStyle/>
+          <a:p>
+            <a:pPr>
+              <a:defRPr/>
+            </a:pPr>
+            <a:r>
+              <a:rPr lang="en-US" dirty="0"/>
+              <a:t>Improving Area and Resources 21- </a:t>
+            </a:r>
+            <a:fld id="{060BD193-E118-4B16-863C-C8C12C675E3E}" type="slidenum">
+              <a:rPr lang="en-US" smtClean="0"/>
+              <a:pPr>
+                <a:defRPr/>
+              </a:pPr>
+              <a:t>3</a:t>
+            </a:fld>
+            <a:endParaRPr lang="en-US" dirty="0"/>
           </a:p>
         </p:txBody>
       </p:sp>
@@ -35838,8 +35510,8 @@
         </p:nvSpPr>
         <p:spPr>
           <a:xfrm>
-            <a:off x="649119" y="959040"/>
-            <a:ext cx="10512862" cy="5388742"/>
+            <a:off x="579119" y="892521"/>
+            <a:ext cx="11033760" cy="4632960"/>
           </a:xfrm>
         </p:spPr>
         <p:txBody>
@@ -35930,10 +35602,15 @@
             <a:spLocks noGrp="1"/>
           </p:cNvSpPr>
           <p:nvPr>
-            <p:ph type="sldNum" sz="quarter" idx="10"/>
+            <p:ph type="sldNum" sz="quarter" idx="4"/>
           </p:nvPr>
         </p:nvSpPr>
-        <p:spPr/>
+        <p:spPr>
+          <a:xfrm>
+            <a:off x="579119" y="6455731"/>
+            <a:ext cx="3040773" cy="365125"/>
+          </a:xfrm>
+        </p:spPr>
         <p:txBody>
           <a:bodyPr/>
           <a:lstStyle/>
@@ -35953,78 +35630,6 @@
               <a:t>31</a:t>
             </a:fld>
             <a:endParaRPr lang="en-US" dirty="0"/>
-          </a:p>
-        </p:txBody>
-      </p:sp>
-      <p:sp>
-        <p:nvSpPr>
-          <p:cNvPr id="13" name="Slide Number Placeholder 3"/>
-          <p:cNvSpPr txBox="1">
-            <a:spLocks/>
-          </p:cNvSpPr>
-          <p:nvPr/>
-        </p:nvSpPr>
-        <p:spPr>
-          <a:xfrm>
-            <a:off x="611030" y="6347782"/>
-            <a:ext cx="1117309" cy="244475"/>
-          </a:xfrm>
-          <a:prstGeom prst="rect">
-            <a:avLst/>
-          </a:prstGeom>
-        </p:spPr>
-        <p:txBody>
-          <a:bodyPr/>
-          <a:lstStyle/>
-          <a:p>
-            <a:pPr defTabSz="457200" fontAlgn="base">
-              <a:spcBef>
-                <a:spcPct val="0"/>
-              </a:spcBef>
-              <a:spcAft>
-                <a:spcPct val="0"/>
-              </a:spcAft>
-              <a:defRPr/>
-            </a:pPr>
-            <a:r>
-              <a:rPr lang="en-US" sz="1000">
-                <a:solidFill>
-                  <a:schemeClr val="bg1"/>
-                </a:solidFill>
-                <a:latin typeface="Arial" charset="0"/>
-                <a:ea typeface="ＭＳ Ｐゴシック" pitchFamily="34" charset="-128"/>
-                <a:cs typeface="Arial" charset="0"/>
-              </a:rPr>
-              <a:t>21- </a:t>
-            </a:r>
-            <a:fld id="{0E88F696-905B-490D-9D4B-033243675593}" type="slidenum">
-              <a:rPr lang="en-US" sz="1000">
-                <a:solidFill>
-                  <a:schemeClr val="bg1"/>
-                </a:solidFill>
-                <a:latin typeface="Arial" charset="0"/>
-                <a:ea typeface="ＭＳ Ｐゴシック" pitchFamily="34" charset="-128"/>
-                <a:cs typeface="Arial" charset="0"/>
-              </a:rPr>
-              <a:pPr defTabSz="457200" fontAlgn="base">
-                <a:spcBef>
-                  <a:spcPct val="0"/>
-                </a:spcBef>
-                <a:spcAft>
-                  <a:spcPct val="0"/>
-                </a:spcAft>
-                <a:defRPr/>
-              </a:pPr>
-              <a:t>31</a:t>
-            </a:fld>
-            <a:endParaRPr lang="en-US" sz="1000" dirty="0">
-              <a:solidFill>
-                <a:schemeClr val="bg1"/>
-              </a:solidFill>
-              <a:latin typeface="Arial" charset="0"/>
-              <a:ea typeface="ＭＳ Ｐゴシック" pitchFamily="34" charset="-128"/>
-              <a:cs typeface="Arial" charset="0"/>
-            </a:endParaRPr>
           </a:p>
         </p:txBody>
       </p:sp>
@@ -36097,6 +35702,18 @@
   <p:clrMapOvr>
     <a:masterClrMapping/>
   </p:clrMapOvr>
+  <mc:AlternateContent xmlns:mc="http://schemas.openxmlformats.org/markup-compatibility/2006" xmlns:p14="http://schemas.microsoft.com/office/powerpoint/2010/main">
+    <mc:Choice Requires="p14">
+      <p:transition spd="med" p14:dur="700">
+        <p:fade/>
+      </p:transition>
+    </mc:Choice>
+    <mc:Fallback xmlns="">
+      <p:transition spd="med">
+        <p:fade/>
+      </p:transition>
+    </mc:Fallback>
+  </mc:AlternateContent>
 </p:sld>
 </file>
 
@@ -36566,8 +36183,8 @@
         </p:nvSpPr>
         <p:spPr>
           <a:xfrm>
-            <a:off x="579119" y="1198735"/>
-            <a:ext cx="10512862" cy="6201374"/>
+            <a:off x="579119" y="1112520"/>
+            <a:ext cx="11033760" cy="4632960"/>
           </a:xfrm>
         </p:spPr>
         <p:txBody>
@@ -36655,10 +36272,15 @@
             <a:spLocks noGrp="1"/>
           </p:cNvSpPr>
           <p:nvPr>
-            <p:ph type="sldNum" sz="quarter" idx="10"/>
+            <p:ph type="sldNum" sz="quarter" idx="4"/>
           </p:nvPr>
         </p:nvSpPr>
-        <p:spPr/>
+        <p:spPr>
+          <a:xfrm>
+            <a:off x="579120" y="6325606"/>
+            <a:ext cx="3003066" cy="365125"/>
+          </a:xfrm>
+        </p:spPr>
         <p:txBody>
           <a:bodyPr/>
           <a:lstStyle/>
@@ -36678,78 +36300,6 @@
               <a:t>33</a:t>
             </a:fld>
             <a:endParaRPr lang="en-US" dirty="0"/>
-          </a:p>
-        </p:txBody>
-      </p:sp>
-      <p:sp>
-        <p:nvSpPr>
-          <p:cNvPr id="56" name="Slide Number Placeholder 3"/>
-          <p:cNvSpPr txBox="1">
-            <a:spLocks/>
-          </p:cNvSpPr>
-          <p:nvPr/>
-        </p:nvSpPr>
-        <p:spPr>
-          <a:xfrm>
-            <a:off x="611030" y="6347782"/>
-            <a:ext cx="1117309" cy="244475"/>
-          </a:xfrm>
-          <a:prstGeom prst="rect">
-            <a:avLst/>
-          </a:prstGeom>
-        </p:spPr>
-        <p:txBody>
-          <a:bodyPr/>
-          <a:lstStyle/>
-          <a:p>
-            <a:pPr defTabSz="457200" fontAlgn="base">
-              <a:spcBef>
-                <a:spcPct val="0"/>
-              </a:spcBef>
-              <a:spcAft>
-                <a:spcPct val="0"/>
-              </a:spcAft>
-              <a:defRPr/>
-            </a:pPr>
-            <a:r>
-              <a:rPr lang="en-US" sz="1000">
-                <a:solidFill>
-                  <a:schemeClr val="bg1"/>
-                </a:solidFill>
-                <a:latin typeface="Arial" charset="0"/>
-                <a:ea typeface="ＭＳ Ｐゴシック" pitchFamily="34" charset="-128"/>
-                <a:cs typeface="Arial" charset="0"/>
-              </a:rPr>
-              <a:t>21- </a:t>
-            </a:r>
-            <a:fld id="{0E88F696-905B-490D-9D4B-033243675593}" type="slidenum">
-              <a:rPr lang="en-US" sz="1000">
-                <a:solidFill>
-                  <a:schemeClr val="bg1"/>
-                </a:solidFill>
-                <a:latin typeface="Arial" charset="0"/>
-                <a:ea typeface="ＭＳ Ｐゴシック" pitchFamily="34" charset="-128"/>
-                <a:cs typeface="Arial" charset="0"/>
-              </a:rPr>
-              <a:pPr defTabSz="457200" fontAlgn="base">
-                <a:spcBef>
-                  <a:spcPct val="0"/>
-                </a:spcBef>
-                <a:spcAft>
-                  <a:spcPct val="0"/>
-                </a:spcAft>
-                <a:defRPr/>
-              </a:pPr>
-              <a:t>33</a:t>
-            </a:fld>
-            <a:endParaRPr lang="en-US" sz="1000" dirty="0">
-              <a:solidFill>
-                <a:schemeClr val="bg1"/>
-              </a:solidFill>
-              <a:latin typeface="Arial" charset="0"/>
-              <a:ea typeface="ＭＳ Ｐゴシック" pitchFamily="34" charset="-128"/>
-              <a:cs typeface="Arial" charset="0"/>
-            </a:endParaRPr>
           </a:p>
         </p:txBody>
       </p:sp>
@@ -37203,8 +36753,8 @@
         </p:nvSpPr>
         <p:spPr>
           <a:xfrm>
-            <a:off x="649119" y="955374"/>
-            <a:ext cx="10512862" cy="5056044"/>
+            <a:off x="579120" y="874012"/>
+            <a:ext cx="11033760" cy="4632960"/>
           </a:xfrm>
         </p:spPr>
         <p:txBody>
@@ -37258,10 +36808,15 @@
             <a:spLocks noGrp="1"/>
           </p:cNvSpPr>
           <p:nvPr>
-            <p:ph type="sldNum" sz="quarter" idx="10"/>
+            <p:ph type="sldNum" sz="quarter" idx="4"/>
           </p:nvPr>
         </p:nvSpPr>
-        <p:spPr/>
+        <p:spPr>
+          <a:xfrm>
+            <a:off x="579120" y="6325606"/>
+            <a:ext cx="2939144" cy="365125"/>
+          </a:xfrm>
+        </p:spPr>
         <p:txBody>
           <a:bodyPr/>
           <a:lstStyle/>
@@ -37270,7 +36825,7 @@
               <a:defRPr/>
             </a:pPr>
             <a:r>
-              <a:rPr lang="en-US"/>
+              <a:rPr lang="en-US" dirty="0"/>
               <a:t>Improving Area and Resources 21- </a:t>
             </a:r>
             <a:fld id="{060BD193-E118-4B16-863C-C8C12C675E3E}" type="slidenum">
@@ -37669,7 +37224,7 @@
         </p:nvSpPr>
         <p:spPr>
           <a:xfrm>
-            <a:off x="1030019" y="3690439"/>
+            <a:off x="1020592" y="3555617"/>
             <a:ext cx="6225845" cy="2769989"/>
           </a:xfrm>
           <a:prstGeom prst="rect">
@@ -38140,6 +37695,18 @@
   <p:clrMapOvr>
     <a:masterClrMapping/>
   </p:clrMapOvr>
+  <mc:AlternateContent xmlns:mc="http://schemas.openxmlformats.org/markup-compatibility/2006" xmlns:p14="http://schemas.microsoft.com/office/powerpoint/2010/main">
+    <mc:Choice Requires="p14">
+      <p:transition spd="med" p14:dur="700">
+        <p:fade/>
+      </p:transition>
+    </mc:Choice>
+    <mc:Fallback xmlns="">
+      <p:transition spd="med">
+        <p:fade/>
+      </p:transition>
+    </mc:Fallback>
+  </mc:AlternateContent>
 </p:sld>
 </file>
 
@@ -39497,7 +39064,7 @@
             <a:spLocks noGrp="1"/>
           </p:cNvSpPr>
           <p:nvPr>
-            <p:ph type="sldNum" sz="quarter" idx="10"/>
+            <p:ph type="sldNum" sz="quarter" idx="4"/>
           </p:nvPr>
         </p:nvSpPr>
         <p:spPr/>
@@ -39528,6 +39095,18 @@
   <p:clrMapOvr>
     <a:masterClrMapping/>
   </p:clrMapOvr>
+  <mc:AlternateContent xmlns:mc="http://schemas.openxmlformats.org/markup-compatibility/2006" xmlns:p14="http://schemas.microsoft.com/office/powerpoint/2010/main">
+    <mc:Choice Requires="p14">
+      <p:transition spd="med" p14:dur="700">
+        <p:fade/>
+      </p:transition>
+    </mc:Choice>
+    <mc:Fallback xmlns="">
+      <p:transition spd="med">
+        <p:fade/>
+      </p:transition>
+    </mc:Fallback>
+  </mc:AlternateContent>
 </p:sld>
 </file>
 
@@ -39656,8 +39235,8 @@
         </p:nvSpPr>
         <p:spPr>
           <a:xfrm>
-            <a:off x="504007" y="1049298"/>
-            <a:ext cx="11441975" cy="4759404"/>
+            <a:off x="579119" y="951301"/>
+            <a:ext cx="11033760" cy="4632960"/>
           </a:xfrm>
         </p:spPr>
         <p:txBody>
@@ -39741,10 +39320,15 @@
             <a:spLocks noGrp="1"/>
           </p:cNvSpPr>
           <p:nvPr>
-            <p:ph type="sldNum" sz="quarter" idx="10"/>
+            <p:ph type="sldNum" sz="quarter" idx="4"/>
           </p:nvPr>
         </p:nvSpPr>
-        <p:spPr/>
+        <p:spPr>
+          <a:xfrm>
+            <a:off x="579120" y="6325606"/>
+            <a:ext cx="2757969" cy="365125"/>
+          </a:xfrm>
+        </p:spPr>
         <p:txBody>
           <a:bodyPr/>
           <a:lstStyle/>
@@ -39772,6 +39356,60 @@
   <p:clrMapOvr>
     <a:masterClrMapping/>
   </p:clrMapOvr>
+  <mc:AlternateContent xmlns:mc="http://schemas.openxmlformats.org/markup-compatibility/2006" xmlns:p14="http://schemas.microsoft.com/office/powerpoint/2010/main">
+    <mc:Choice Requires="p14">
+      <p:transition spd="med" p14:dur="700">
+        <p:fade/>
+      </p:transition>
+    </mc:Choice>
+    <mc:Fallback xmlns="">
+      <p:transition spd="med">
+        <p:fade/>
+      </p:transition>
+    </mc:Fallback>
+  </mc:AlternateContent>
+</p:sld>
+</file>
+
+<file path=ppt/slides/slide40.xml><?xml version="1.0" encoding="utf-8"?>
+<p:sld xmlns:a="http://schemas.openxmlformats.org/drawingml/2006/main" xmlns:r="http://schemas.openxmlformats.org/officeDocument/2006/relationships" xmlns:p="http://schemas.openxmlformats.org/presentationml/2006/main">
+  <p:cSld>
+    <p:spTree>
+      <p:nvGrpSpPr>
+        <p:cNvPr id="1" name=""/>
+        <p:cNvGrpSpPr/>
+        <p:nvPr/>
+      </p:nvGrpSpPr>
+      <p:grpSpPr>
+        <a:xfrm>
+          <a:off x="0" y="0"/>
+          <a:ext cx="0" cy="0"/>
+          <a:chOff x="0" y="0"/>
+          <a:chExt cx="0" cy="0"/>
+        </a:xfrm>
+      </p:grpSpPr>
+    </p:spTree>
+    <p:extLst>
+      <p:ext uri="{BB962C8B-B14F-4D97-AF65-F5344CB8AC3E}">
+        <p14:creationId xmlns:p14="http://schemas.microsoft.com/office/powerpoint/2010/main" val="3000253592"/>
+      </p:ext>
+    </p:extLst>
+  </p:cSld>
+  <p:clrMapOvr>
+    <a:masterClrMapping/>
+  </p:clrMapOvr>
+  <mc:AlternateContent xmlns:mc="http://schemas.openxmlformats.org/markup-compatibility/2006" xmlns:p14="http://schemas.microsoft.com/office/powerpoint/2010/main">
+    <mc:Choice Requires="p14">
+      <p:transition spd="med" p14:dur="700">
+        <p:fade/>
+      </p:transition>
+    </mc:Choice>
+    <mc:Fallback xmlns="">
+      <p:transition spd="med">
+        <p:fade/>
+      </p:transition>
+    </mc:Fallback>
+  </mc:AlternateContent>
 </p:sld>
 </file>
 
@@ -40752,10 +40390,15 @@
             <a:spLocks noGrp="1"/>
           </p:cNvSpPr>
           <p:nvPr>
-            <p:ph type="sldNum" sz="quarter" idx="10"/>
+            <p:ph type="sldNum" sz="quarter" idx="4"/>
           </p:nvPr>
         </p:nvSpPr>
-        <p:spPr/>
+        <p:spPr>
+          <a:xfrm>
+            <a:off x="579120" y="6325606"/>
+            <a:ext cx="3012492" cy="365125"/>
+          </a:xfrm>
+        </p:spPr>
         <p:txBody>
           <a:bodyPr/>
           <a:lstStyle/>
@@ -40764,7 +40407,7 @@
               <a:defRPr/>
             </a:pPr>
             <a:r>
-              <a:rPr lang="en-US"/>
+              <a:rPr lang="en-US" dirty="0"/>
               <a:t>Improving Area and Resources 21- </a:t>
             </a:r>
             <a:fld id="{060BD193-E118-4B16-863C-C8C12C675E3E}" type="slidenum">
@@ -40818,6 +40461,18 @@
   <p:clrMapOvr>
     <a:masterClrMapping/>
   </p:clrMapOvr>
+  <mc:AlternateContent xmlns:mc="http://schemas.openxmlformats.org/markup-compatibility/2006" xmlns:p14="http://schemas.microsoft.com/office/powerpoint/2010/main">
+    <mc:Choice Requires="p14">
+      <p:transition spd="med" p14:dur="700">
+        <p:fade/>
+      </p:transition>
+    </mc:Choice>
+    <mc:Fallback xmlns="">
+      <p:transition spd="med">
+        <p:fade/>
+      </p:transition>
+    </mc:Fallback>
+  </mc:AlternateContent>
 </p:sld>
 </file>
 
@@ -41065,10 +40720,15 @@
             <a:spLocks noGrp="1"/>
           </p:cNvSpPr>
           <p:nvPr>
-            <p:ph type="sldNum" sz="quarter" idx="10"/>
+            <p:ph type="sldNum" sz="quarter" idx="4"/>
           </p:nvPr>
         </p:nvSpPr>
-        <p:spPr/>
+        <p:spPr>
+          <a:xfrm>
+            <a:off x="579120" y="6325606"/>
+            <a:ext cx="3003066" cy="365125"/>
+          </a:xfrm>
+        </p:spPr>
         <p:txBody>
           <a:bodyPr/>
           <a:lstStyle/>
@@ -41077,7 +40737,7 @@
               <a:defRPr/>
             </a:pPr>
             <a:r>
-              <a:rPr lang="en-US"/>
+              <a:rPr lang="en-US" dirty="0"/>
               <a:t>Improving Area and Resources 21- </a:t>
             </a:r>
             <a:fld id="{060BD193-E118-4B16-863C-C8C12C675E3E}" type="slidenum">
@@ -41131,6 +40791,18 @@
   <p:clrMapOvr>
     <a:masterClrMapping/>
   </p:clrMapOvr>
+  <mc:AlternateContent xmlns:mc="http://schemas.openxmlformats.org/markup-compatibility/2006" xmlns:p14="http://schemas.microsoft.com/office/powerpoint/2010/main">
+    <mc:Choice Requires="p14">
+      <p:transition spd="med" p14:dur="700">
+        <p:fade/>
+      </p:transition>
+    </mc:Choice>
+    <mc:Fallback xmlns="">
+      <p:transition spd="med">
+        <p:fade/>
+      </p:transition>
+    </mc:Fallback>
+  </mc:AlternateContent>
 </p:sld>
 </file>
 
@@ -41215,8 +40887,8 @@
         </p:nvSpPr>
         <p:spPr>
           <a:xfrm>
-            <a:off x="646381" y="1210056"/>
-            <a:ext cx="10515600" cy="4759404"/>
+            <a:off x="611030" y="1112520"/>
+            <a:ext cx="11033760" cy="4632960"/>
           </a:xfrm>
         </p:spPr>
         <p:txBody>
@@ -41351,10 +41023,15 @@
             <a:spLocks noGrp="1"/>
           </p:cNvSpPr>
           <p:nvPr>
-            <p:ph type="sldNum" sz="quarter" idx="10"/>
+            <p:ph type="sldNum" sz="quarter" idx="4"/>
           </p:nvPr>
         </p:nvSpPr>
-        <p:spPr/>
+        <p:spPr>
+          <a:xfrm>
+            <a:off x="579120" y="6325606"/>
+            <a:ext cx="3116187" cy="365125"/>
+          </a:xfrm>
+        </p:spPr>
         <p:txBody>
           <a:bodyPr/>
           <a:lstStyle/>
@@ -41418,78 +41095,6 @@
               <a:rPr lang="en-US" sz="1400" b="1" dirty="0"/>
               <a:t>Operators and Cores are listed in the VITIS HLS Library Guide</a:t>
             </a:r>
-          </a:p>
-        </p:txBody>
-      </p:sp>
-      <p:sp>
-        <p:nvSpPr>
-          <p:cNvPr id="10" name="Slide Number Placeholder 3"/>
-          <p:cNvSpPr txBox="1">
-            <a:spLocks/>
-          </p:cNvSpPr>
-          <p:nvPr/>
-        </p:nvSpPr>
-        <p:spPr>
-          <a:xfrm>
-            <a:off x="611030" y="6347782"/>
-            <a:ext cx="1117309" cy="244475"/>
-          </a:xfrm>
-          <a:prstGeom prst="rect">
-            <a:avLst/>
-          </a:prstGeom>
-        </p:spPr>
-        <p:txBody>
-          <a:bodyPr/>
-          <a:lstStyle/>
-          <a:p>
-            <a:pPr defTabSz="457200" fontAlgn="base">
-              <a:spcBef>
-                <a:spcPct val="0"/>
-              </a:spcBef>
-              <a:spcAft>
-                <a:spcPct val="0"/>
-              </a:spcAft>
-              <a:defRPr/>
-            </a:pPr>
-            <a:r>
-              <a:rPr lang="en-US" sz="1000">
-                <a:solidFill>
-                  <a:schemeClr val="bg1"/>
-                </a:solidFill>
-                <a:latin typeface="Arial" charset="0"/>
-                <a:ea typeface="ＭＳ Ｐゴシック" pitchFamily="34" charset="-128"/>
-                <a:cs typeface="Arial" charset="0"/>
-              </a:rPr>
-              <a:t>21- </a:t>
-            </a:r>
-            <a:fld id="{0E88F696-905B-490D-9D4B-033243675593}" type="slidenum">
-              <a:rPr lang="en-US" sz="1000">
-                <a:solidFill>
-                  <a:schemeClr val="bg1"/>
-                </a:solidFill>
-                <a:latin typeface="Arial" charset="0"/>
-                <a:ea typeface="ＭＳ Ｐゴシック" pitchFamily="34" charset="-128"/>
-                <a:cs typeface="Arial" charset="0"/>
-              </a:rPr>
-              <a:pPr defTabSz="457200" fontAlgn="base">
-                <a:spcBef>
-                  <a:spcPct val="0"/>
-                </a:spcBef>
-                <a:spcAft>
-                  <a:spcPct val="0"/>
-                </a:spcAft>
-                <a:defRPr/>
-              </a:pPr>
-              <a:t>9</a:t>
-            </a:fld>
-            <a:endParaRPr lang="en-US" sz="1000" dirty="0">
-              <a:solidFill>
-                <a:schemeClr val="bg1"/>
-              </a:solidFill>
-              <a:latin typeface="Arial" charset="0"/>
-              <a:ea typeface="ＭＳ Ｐゴシック" pitchFamily="34" charset="-128"/>
-              <a:cs typeface="Arial" charset="0"/>
-            </a:endParaRPr>
           </a:p>
         </p:txBody>
       </p:sp>
@@ -41613,6 +41218,18 @@
   <p:clrMapOvr>
     <a:masterClrMapping/>
   </p:clrMapOvr>
+  <mc:AlternateContent xmlns:mc="http://schemas.openxmlformats.org/markup-compatibility/2006" xmlns:p14="http://schemas.microsoft.com/office/powerpoint/2010/main">
+    <mc:Choice Requires="p14">
+      <p:transition spd="med" p14:dur="700">
+        <p:fade/>
+      </p:transition>
+    </mc:Choice>
+    <mc:Fallback xmlns="">
+      <p:transition spd="med">
+        <p:fade/>
+      </p:transition>
+    </mc:Fallback>
+  </mc:AlternateContent>
 </p:sld>
 </file>
 
@@ -42685,6 +42302,12 @@
 </file>
 
 <file path=customXml/item1.xml><?xml version="1.0" encoding="utf-8"?>
+<p:properties xmlns:p="http://schemas.microsoft.com/office/2006/metadata/properties" xmlns:xsi="http://www.w3.org/2001/XMLSchema-instance" xmlns:pc="http://schemas.microsoft.com/office/infopath/2007/PartnerControls">
+  <documentManagement/>
+</p:properties>
+</file>
+
+<file path=customXml/item2.xml><?xml version="1.0" encoding="utf-8"?>
 <?mso-contentType ?>
 <FormTemplates xmlns="http://schemas.microsoft.com/sharepoint/v3/contenttype/forms">
   <Display>DocumentLibraryForm</Display>
@@ -42693,7 +42316,7 @@
 </FormTemplates>
 </file>
 
-<file path=customXml/item2.xml><?xml version="1.0" encoding="utf-8"?>
+<file path=customXml/item3.xml><?xml version="1.0" encoding="utf-8"?>
 <ct:contentTypeSchema xmlns:ct="http://schemas.microsoft.com/office/2006/metadata/contentType" xmlns:ma="http://schemas.microsoft.com/office/2006/metadata/properties/metaAttributes" ct:_="" ma:_="" ma:contentTypeName="Document" ma:contentTypeID="0x01010058A00A9B6178BD498632E37D0AD5CC8E" ma:contentTypeVersion="3" ma:contentTypeDescription="Create a new document." ma:contentTypeScope="" ma:versionID="fbaca91dc24b034817257c3a25d93af0">
   <xsd:schema xmlns:xsd="http://www.w3.org/2001/XMLSchema" xmlns:xs="http://www.w3.org/2001/XMLSchema" xmlns:p="http://schemas.microsoft.com/office/2006/metadata/properties" xmlns:ns2="ee71d666-e06f-4bed-b53d-75a975332d6d" targetNamespace="http://schemas.microsoft.com/office/2006/metadata/properties" ma:root="true" ma:fieldsID="14a92504b4f4f9b68fc7bcdaff1e0a50" ns2:_="">
     <xsd:import namespace="ee71d666-e06f-4bed-b53d-75a975332d6d"/>
@@ -42825,13 +42448,23 @@
 </ct:contentTypeSchema>
 </file>
 
-<file path=customXml/item3.xml><?xml version="1.0" encoding="utf-8"?>
-<p:properties xmlns:p="http://schemas.microsoft.com/office/2006/metadata/properties" xmlns:xsi="http://www.w3.org/2001/XMLSchema-instance" xmlns:pc="http://schemas.microsoft.com/office/infopath/2007/PartnerControls">
-  <documentManagement/>
-</p:properties>
+<file path=customXml/itemProps1.xml><?xml version="1.0" encoding="utf-8"?>
+<ds:datastoreItem xmlns:ds="http://schemas.openxmlformats.org/officeDocument/2006/customXml" ds:itemID="{860316F9-D49B-43D3-B1A5-38BBC2E7659C}">
+  <ds:schemaRefs>
+    <ds:schemaRef ds:uri="http://purl.org/dc/terms/"/>
+    <ds:schemaRef ds:uri="http://schemas.openxmlformats.org/package/2006/metadata/core-properties"/>
+    <ds:schemaRef ds:uri="http://schemas.microsoft.com/office/2006/documentManagement/types"/>
+    <ds:schemaRef ds:uri="http://schemas.microsoft.com/office/infopath/2007/PartnerControls"/>
+    <ds:schemaRef ds:uri="ee71d666-e06f-4bed-b53d-75a975332d6d"/>
+    <ds:schemaRef ds:uri="http://purl.org/dc/elements/1.1/"/>
+    <ds:schemaRef ds:uri="http://schemas.microsoft.com/office/2006/metadata/properties"/>
+    <ds:schemaRef ds:uri="http://www.w3.org/XML/1998/namespace"/>
+    <ds:schemaRef ds:uri="http://purl.org/dc/dcmitype/"/>
+  </ds:schemaRefs>
+</ds:datastoreItem>
 </file>
 
-<file path=customXml/itemProps1.xml><?xml version="1.0" encoding="utf-8"?>
+<file path=customXml/itemProps2.xml><?xml version="1.0" encoding="utf-8"?>
 <ds:datastoreItem xmlns:ds="http://schemas.openxmlformats.org/officeDocument/2006/customXml" ds:itemID="{ABE94A12-9E97-40EB-A974-3BC9F5C18103}">
   <ds:schemaRefs>
     <ds:schemaRef ds:uri="http://schemas.microsoft.com/sharepoint/v3/contenttype/forms"/>
@@ -42839,7 +42472,7 @@
 </ds:datastoreItem>
 </file>
 
-<file path=customXml/itemProps2.xml><?xml version="1.0" encoding="utf-8"?>
+<file path=customXml/itemProps3.xml><?xml version="1.0" encoding="utf-8"?>
 <ds:datastoreItem xmlns:ds="http://schemas.openxmlformats.org/officeDocument/2006/customXml" ds:itemID="{F4DF82DF-52AA-4D1D-AC7B-8F45A830CAFE}">
   <ds:schemaRefs>
     <ds:schemaRef ds:uri="http://schemas.microsoft.com/office/2006/metadata/contentType"/>
@@ -42855,20 +42488,4 @@
     <ds:schemaRef ds:uri="http://schemas.microsoft.com/internal/obd"/>
   </ds:schemaRefs>
 </ds:datastoreItem>
-</file>
-
-<file path=customXml/itemProps3.xml><?xml version="1.0" encoding="utf-8"?>
-<ds:datastoreItem xmlns:ds="http://schemas.openxmlformats.org/officeDocument/2006/customXml" ds:itemID="{860316F9-D49B-43D3-B1A5-38BBC2E7659C}">
-  <ds:schemaRefs>
-    <ds:schemaRef ds:uri="http://purl.org/dc/terms/"/>
-    <ds:schemaRef ds:uri="http://schemas.openxmlformats.org/package/2006/metadata/core-properties"/>
-    <ds:schemaRef ds:uri="http://schemas.microsoft.com/office/2006/documentManagement/types"/>
-    <ds:schemaRef ds:uri="http://schemas.microsoft.com/office/infopath/2007/PartnerControls"/>
-    <ds:schemaRef ds:uri="ee71d666-e06f-4bed-b53d-75a975332d6d"/>
-    <ds:schemaRef ds:uri="http://purl.org/dc/elements/1.1/"/>
-    <ds:schemaRef ds:uri="http://schemas.microsoft.com/office/2006/metadata/properties"/>
-    <ds:schemaRef ds:uri="http://www.w3.org/XML/1998/namespace"/>
-    <ds:schemaRef ds:uri="http://purl.org/dc/dcmitype/"/>
-  </ds:schemaRefs>
-</ds:datastoreItem>
 </file>